--- a/doc/V1/Présentation.pptx
+++ b/doc/V1/Présentation.pptx
@@ -2967,7 +2967,7 @@
                 <a14:useLocalDpi xmlns:a14="http://schemas.microsoft.com/office/drawing/2010/main" val="0"/>
               </a:ext>
               <a:ext uri="{96DAC541-7B7A-43D3-8B79-37D633B846F1}">
-                <asvg:svgBlip xmlns:asvg="http://schemas.microsoft.com/office/drawing/2016/SVG/main" xmlns="" r:embed="rId2"/>
+                <asvg:svgBlip xmlns="" xmlns:asvg="http://schemas.microsoft.com/office/drawing/2016/SVG/main" r:embed="rId2"/>
               </a:ext>
             </a:extLst>
           </a:blip>
@@ -3034,7 +3034,7 @@
                 <a14:useLocalDpi xmlns:a14="http://schemas.microsoft.com/office/drawing/2010/main" val="0"/>
               </a:ext>
               <a:ext uri="{96DAC541-7B7A-43D3-8B79-37D633B846F1}">
-                <asvg:svgBlip xmlns:asvg="http://schemas.microsoft.com/office/drawing/2016/SVG/main" xmlns="" r:embed="rId4"/>
+                <asvg:svgBlip xmlns="" xmlns:asvg="http://schemas.microsoft.com/office/drawing/2016/SVG/main" r:embed="rId4"/>
               </a:ext>
             </a:extLst>
           </a:blip>
@@ -3178,7 +3178,7 @@
                 <a14:useLocalDpi xmlns:a14="http://schemas.microsoft.com/office/drawing/2010/main" val="0"/>
               </a:ext>
               <a:ext uri="{96DAC541-7B7A-43D3-8B79-37D633B846F1}">
-                <asvg:svgBlip xmlns:asvg="http://schemas.microsoft.com/office/drawing/2016/SVG/main" xmlns="" r:embed="rId2"/>
+                <asvg:svgBlip xmlns="" xmlns:asvg="http://schemas.microsoft.com/office/drawing/2016/SVG/main" r:embed="rId2"/>
               </a:ext>
             </a:extLst>
           </a:blip>
@@ -3330,7 +3330,7 @@
                 <a14:useLocalDpi xmlns:a14="http://schemas.microsoft.com/office/drawing/2010/main" val="0"/>
               </a:ext>
               <a:ext uri="{96DAC541-7B7A-43D3-8B79-37D633B846F1}">
-                <asvg:svgBlip xmlns:asvg="http://schemas.microsoft.com/office/drawing/2016/SVG/main" xmlns="" r:embed="rId4"/>
+                <asvg:svgBlip xmlns="" xmlns:asvg="http://schemas.microsoft.com/office/drawing/2016/SVG/main" r:embed="rId4"/>
               </a:ext>
             </a:extLst>
           </a:blip>
@@ -3701,7 +3701,7 @@
   </dgm:layoutNode>
   <dgm:extLst>
     <a:ext uri="{68A01E43-0DF5-4B5B-8FA6-DAF915123BFB}">
-      <dgm1612:lstStyle xmlns:dgm1612="http://schemas.microsoft.com/office/drawing/2016/12/diagram" xmlns="">
+      <dgm1612:lstStyle xmlns="" xmlns:dgm1612="http://schemas.microsoft.com/office/drawing/2016/12/diagram">
         <a:lvl1pPr>
           <a:lnSpc>
             <a:spcPct val="100000"/>
@@ -4908,7 +4908,7 @@
           <a:p>
             <a:fld id="{5E7AA473-D82F-4EFF-9DF7-AE6D83C51288}" type="datetime1">
               <a:rPr lang="en-US" smtClean="0"/>
-              <a:t>6/23/2022</a:t>
+              <a:t>6/14/2023</a:t>
             </a:fld>
             <a:endParaRPr lang="en-US"/>
           </a:p>
@@ -4976,7 +4976,7 @@
                 <a16:creationId xmlns:a16="http://schemas.microsoft.com/office/drawing/2014/main" id="{F3FF94B3-6D3E-44FE-BB02-A9027C0003C7}"/>
               </a:ext>
               <a:ext uri="{C183D7F6-B498-43B3-948B-1728B52AA6E4}">
-                <adec:decorative xmlns:adec="http://schemas.microsoft.com/office/drawing/2017/decorative" xmlns="" val="1"/>
+                <adec:decorative xmlns="" xmlns:adec="http://schemas.microsoft.com/office/drawing/2017/decorative" val="1"/>
               </a:ext>
             </a:extLst>
           </p:cNvPr>
@@ -5162,7 +5162,7 @@
           <a:p>
             <a:fld id="{1E12F1F0-FE2D-4C1C-B320-8CB9BE735F0F}" type="datetime1">
               <a:rPr lang="en-US" smtClean="0"/>
-              <a:t>6/23/2022</a:t>
+              <a:t>6/14/2023</a:t>
             </a:fld>
             <a:endParaRPr lang="en-US"/>
           </a:p>
@@ -5260,7 +5260,7 @@
                 <a16:creationId xmlns:a16="http://schemas.microsoft.com/office/drawing/2014/main" id="{BD7BD47B-C187-494C-812F-46BE0040B915}"/>
               </a:ext>
               <a:ext uri="{C183D7F6-B498-43B3-948B-1728B52AA6E4}">
-                <adec:decorative xmlns:adec="http://schemas.microsoft.com/office/drawing/2017/decorative" xmlns="" val="1"/>
+                <adec:decorative xmlns="" xmlns:adec="http://schemas.microsoft.com/office/drawing/2017/decorative" val="1"/>
               </a:ext>
             </a:extLst>
           </p:cNvPr>
@@ -5430,7 +5430,7 @@
           <a:p>
             <a:fld id="{2CF1B96C-10FD-4EBC-9029-9652B7535D02}" type="datetime1">
               <a:rPr lang="en-US" smtClean="0"/>
-              <a:t>6/23/2022</a:t>
+              <a:t>6/14/2023</a:t>
             </a:fld>
             <a:endParaRPr lang="en-US"/>
           </a:p>
@@ -5498,7 +5498,7 @@
                 <a16:creationId xmlns:a16="http://schemas.microsoft.com/office/drawing/2014/main" id="{4618136A-0796-46EB-89BB-4C73C0258FE9}"/>
               </a:ext>
               <a:ext uri="{C183D7F6-B498-43B3-948B-1728B52AA6E4}">
-                <adec:decorative xmlns:adec="http://schemas.microsoft.com/office/drawing/2017/decorative" xmlns="" val="1"/>
+                <adec:decorative xmlns="" xmlns:adec="http://schemas.microsoft.com/office/drawing/2017/decorative" val="1"/>
               </a:ext>
             </a:extLst>
           </p:cNvPr>
@@ -5684,7 +5684,7 @@
           <a:p>
             <a:fld id="{14878474-CC00-4A95-9D50-A41C12D1EEC4}" type="datetime1">
               <a:rPr lang="en-US" smtClean="0"/>
-              <a:t>6/23/2022</a:t>
+              <a:t>6/14/2023</a:t>
             </a:fld>
             <a:endParaRPr lang="en-US"/>
           </a:p>
@@ -5962,7 +5962,7 @@
           <a:p>
             <a:fld id="{7F38C8B4-7FBB-408F-BDB9-F0496874AFB2}" type="datetime1">
               <a:rPr lang="en-US" smtClean="0"/>
-              <a:t>6/23/2022</a:t>
+              <a:t>6/14/2023</a:t>
             </a:fld>
             <a:endParaRPr lang="en-US"/>
           </a:p>
@@ -6234,7 +6234,7 @@
           <a:p>
             <a:fld id="{2BB8EE20-A5E2-47D3-8F6D-A2BA7AB2E093}" type="datetime1">
               <a:rPr lang="en-US" smtClean="0"/>
-              <a:t>6/23/2022</a:t>
+              <a:t>6/14/2023</a:t>
             </a:fld>
             <a:endParaRPr lang="en-US"/>
           </a:p>
@@ -6332,7 +6332,7 @@
                 <a16:creationId xmlns:a16="http://schemas.microsoft.com/office/drawing/2014/main" id="{BF4AA536-072F-4374-926E-17E038EC7E98}"/>
               </a:ext>
               <a:ext uri="{C183D7F6-B498-43B3-948B-1728B52AA6E4}">
-                <adec:decorative xmlns:adec="http://schemas.microsoft.com/office/drawing/2017/decorative" xmlns="" val="1"/>
+                <adec:decorative xmlns="" xmlns:adec="http://schemas.microsoft.com/office/drawing/2017/decorative" val="1"/>
               </a:ext>
             </a:extLst>
           </p:cNvPr>
@@ -6792,7 +6792,7 @@
           <a:p>
             <a:fld id="{3382CF99-132F-413F-B7EF-71A5C33F2ED6}" type="datetime1">
               <a:rPr lang="en-US" smtClean="0"/>
-              <a:t>6/23/2022</a:t>
+              <a:t>6/14/2023</a:t>
             </a:fld>
             <a:endParaRPr lang="en-US"/>
           </a:p>
@@ -6934,7 +6934,7 @@
           <a:p>
             <a:fld id="{1F17AE06-98E0-4D9F-A059-92C3548821BB}" type="datetime1">
               <a:rPr lang="en-US" smtClean="0"/>
-              <a:t>6/23/2022</a:t>
+              <a:t>6/14/2023</a:t>
             </a:fld>
             <a:endParaRPr lang="en-US"/>
           </a:p>
@@ -7047,7 +7047,7 @@
           <a:p>
             <a:fld id="{FFBA00CA-3DDC-4705-B840-978EF5EA0707}" type="datetime1">
               <a:rPr lang="en-US" smtClean="0"/>
-              <a:t>6/23/2022</a:t>
+              <a:t>6/14/2023</a:t>
             </a:fld>
             <a:endParaRPr lang="en-US"/>
           </a:p>
@@ -7366,7 +7366,7 @@
           <a:p>
             <a:fld id="{FC366D49-0BBA-4C5A-AD96-6448CA63451A}" type="datetime1">
               <a:rPr lang="en-US" smtClean="0"/>
-              <a:t>6/23/2022</a:t>
+              <a:t>6/14/2023</a:t>
             </a:fld>
             <a:endParaRPr lang="en-US"/>
           </a:p>
@@ -7663,7 +7663,7 @@
           <a:p>
             <a:fld id="{4F4EB293-A316-472D-A8B4-6947CF1A12B7}" type="datetime1">
               <a:rPr lang="en-US" smtClean="0"/>
-              <a:t>6/23/2022</a:t>
+              <a:t>6/14/2023</a:t>
             </a:fld>
             <a:endParaRPr lang="en-US"/>
           </a:p>
@@ -7942,7 +7942,7 @@
           <a:p>
             <a:fld id="{734BCCD4-CEB1-405B-A443-DD9CBCBEA552}" type="datetime1">
               <a:rPr lang="en-US" smtClean="0"/>
-              <a:t>6/23/2022</a:t>
+              <a:t>6/14/2023</a:t>
             </a:fld>
             <a:endParaRPr lang="en-US"/>
           </a:p>
@@ -8425,7 +8425,7 @@
                 <a16:creationId xmlns:a16="http://schemas.microsoft.com/office/drawing/2014/main" id="{67A7C490-FB0D-4946-BDB7-1CF2F58DAE01}"/>
               </a:ext>
               <a:ext uri="{C183D7F6-B498-43B3-948B-1728B52AA6E4}">
-                <adec:decorative xmlns:adec="http://schemas.microsoft.com/office/drawing/2017/decorative" xmlns="" val="1"/>
+                <adec:decorative xmlns="" xmlns:adec="http://schemas.microsoft.com/office/drawing/2017/decorative" val="1"/>
               </a:ext>
             </a:extLst>
           </p:cNvPr>
@@ -8485,7 +8485,7 @@
                 <a16:creationId xmlns:a16="http://schemas.microsoft.com/office/drawing/2014/main" id="{A455898E-1D0B-453B-A8AB-E169E93C0EE4}"/>
               </a:ext>
               <a:ext uri="{C183D7F6-B498-43B3-948B-1728B52AA6E4}">
-                <adec:decorative xmlns:adec="http://schemas.microsoft.com/office/drawing/2017/decorative" xmlns="" val="1"/>
+                <adec:decorative xmlns="" xmlns:adec="http://schemas.microsoft.com/office/drawing/2017/decorative" val="1"/>
               </a:ext>
             </a:extLst>
           </p:cNvPr>
@@ -8611,9 +8611,14 @@
           <a:lstStyle/>
           <a:p>
             <a:r>
-              <a:rPr lang="fr-CH"/>
-              <a:t>Nicolas Zaco</a:t>
+              <a:rPr lang="fr-CH" dirty="0"/>
+              <a:t>Nicolas </a:t>
             </a:r>
+            <a:r>
+              <a:rPr lang="fr-CH" dirty="0" err="1" smtClean="0"/>
+              <a:t>Zäccos</a:t>
+            </a:r>
+            <a:endParaRPr lang="fr-CH" dirty="0"/>
           </a:p>
         </p:txBody>
       </p:sp>
@@ -8625,7 +8630,7 @@
                 <a16:creationId xmlns:a16="http://schemas.microsoft.com/office/drawing/2014/main" id="{B2C335F7-F61C-4EB4-80F2-4B1438FE66BB}"/>
               </a:ext>
               <a:ext uri="{C183D7F6-B498-43B3-948B-1728B52AA6E4}">
-                <adec:decorative xmlns:adec="http://schemas.microsoft.com/office/drawing/2017/decorative" xmlns="" val="1"/>
+                <adec:decorative xmlns="" xmlns:adec="http://schemas.microsoft.com/office/drawing/2017/decorative" val="1"/>
               </a:ext>
             </a:extLst>
           </p:cNvPr>
@@ -8894,7 +8899,7 @@
                 <a16:creationId xmlns:a16="http://schemas.microsoft.com/office/drawing/2014/main" id="{ADE57300-C7FF-4578-99A0-42B0295B123C}"/>
               </a:ext>
               <a:ext uri="{C183D7F6-B498-43B3-948B-1728B52AA6E4}">
-                <adec:decorative xmlns:adec="http://schemas.microsoft.com/office/drawing/2017/decorative" xmlns="" val="1"/>
+                <adec:decorative xmlns="" xmlns:adec="http://schemas.microsoft.com/office/drawing/2017/decorative" val="1"/>
               </a:ext>
             </a:extLst>
           </p:cNvPr>
@@ -8957,7 +8962,7 @@
                 <a16:creationId xmlns:a16="http://schemas.microsoft.com/office/drawing/2014/main" id="{F3FF94B3-6D3E-44FE-BB02-A9027C0003C7}"/>
               </a:ext>
               <a:ext uri="{C183D7F6-B498-43B3-948B-1728B52AA6E4}">
-                <adec:decorative xmlns:adec="http://schemas.microsoft.com/office/drawing/2017/decorative" xmlns="" val="1"/>
+                <adec:decorative xmlns="" xmlns:adec="http://schemas.microsoft.com/office/drawing/2017/decorative" val="1"/>
               </a:ext>
             </a:extLst>
           </p:cNvPr>
@@ -9020,7 +9025,7 @@
                 <a16:creationId xmlns:a16="http://schemas.microsoft.com/office/drawing/2014/main" id="{E20BB609-EF92-42DB-836C-0699A590B5CF}"/>
               </a:ext>
               <a:ext uri="{C183D7F6-B498-43B3-948B-1728B52AA6E4}">
-                <adec:decorative xmlns:adec="http://schemas.microsoft.com/office/drawing/2017/decorative" xmlns="" val="1"/>
+                <adec:decorative xmlns="" xmlns:adec="http://schemas.microsoft.com/office/drawing/2017/decorative" val="1"/>
               </a:ext>
             </a:extLst>
           </p:cNvPr>
@@ -9109,7 +9114,7 @@
                 <a16:creationId xmlns:a16="http://schemas.microsoft.com/office/drawing/2014/main" id="{637992A9-1E8C-4E57-B4F4-EE2D38E504A2}"/>
               </a:ext>
               <a:ext uri="{C183D7F6-B498-43B3-948B-1728B52AA6E4}">
-                <adec:decorative xmlns:adec="http://schemas.microsoft.com/office/drawing/2017/decorative" xmlns="" val="1"/>
+                <adec:decorative xmlns="" xmlns:adec="http://schemas.microsoft.com/office/drawing/2017/decorative" val="1"/>
               </a:ext>
             </a:extLst>
           </p:cNvPr>
@@ -9226,7 +9231,7 @@
                 <a16:creationId xmlns:a16="http://schemas.microsoft.com/office/drawing/2014/main" id="{B2C335F7-F61C-4EB4-80F2-4B1438FE66BB}"/>
               </a:ext>
               <a:ext uri="{C183D7F6-B498-43B3-948B-1728B52AA6E4}">
-                <adec:decorative xmlns:adec="http://schemas.microsoft.com/office/drawing/2017/decorative" xmlns="" val="1"/>
+                <adec:decorative xmlns="" xmlns:adec="http://schemas.microsoft.com/office/drawing/2017/decorative" val="1"/>
               </a:ext>
             </a:extLst>
           </p:cNvPr>
@@ -9327,7 +9332,7 @@
                 <a16:creationId xmlns:a16="http://schemas.microsoft.com/office/drawing/2014/main" id="{4E17AA97-89A7-45C1-B813-BFF6C23D79E1}"/>
               </a:ext>
               <a:ext uri="{C183D7F6-B498-43B3-948B-1728B52AA6E4}">
-                <adec:decorative xmlns:adec="http://schemas.microsoft.com/office/drawing/2017/decorative" xmlns="" val="1"/>
+                <adec:decorative xmlns="" xmlns:adec="http://schemas.microsoft.com/office/drawing/2017/decorative" val="1"/>
               </a:ext>
             </a:extLst>
           </p:cNvPr>
@@ -9426,7 +9431,7 @@
                 <a16:creationId xmlns:a16="http://schemas.microsoft.com/office/drawing/2014/main" id="{33AC4FE1-D370-43A6-96C5-076716BB1E76}"/>
               </a:ext>
               <a:ext uri="{C183D7F6-B498-43B3-948B-1728B52AA6E4}">
-                <adec:decorative xmlns:adec="http://schemas.microsoft.com/office/drawing/2017/decorative" xmlns="" val="1"/>
+                <adec:decorative xmlns="" xmlns:adec="http://schemas.microsoft.com/office/drawing/2017/decorative" val="1"/>
               </a:ext>
             </a:extLst>
           </p:cNvPr>
@@ -9489,7 +9494,7 @@
                 <a16:creationId xmlns:a16="http://schemas.microsoft.com/office/drawing/2014/main" id="{4A3D569D-D3A6-49CA-A483-291E95DACA14}"/>
               </a:ext>
               <a:ext uri="{C183D7F6-B498-43B3-948B-1728B52AA6E4}">
-                <adec:decorative xmlns:adec="http://schemas.microsoft.com/office/drawing/2017/decorative" xmlns="" val="1"/>
+                <adec:decorative xmlns="" xmlns:adec="http://schemas.microsoft.com/office/drawing/2017/decorative" val="1"/>
               </a:ext>
             </a:extLst>
           </p:cNvPr>
@@ -9899,7 +9904,7 @@
                 <a16:creationId xmlns:a16="http://schemas.microsoft.com/office/drawing/2014/main" id="{FAA3B297-9683-4E38-89FA-062C53E13F85}"/>
               </a:ext>
               <a:ext uri="{C183D7F6-B498-43B3-948B-1728B52AA6E4}">
-                <adec:decorative xmlns:adec="http://schemas.microsoft.com/office/drawing/2017/decorative" xmlns="" val="1"/>
+                <adec:decorative xmlns="" xmlns:adec="http://schemas.microsoft.com/office/drawing/2017/decorative" val="1"/>
               </a:ext>
             </a:extLst>
           </p:cNvPr>
@@ -9998,7 +10003,7 @@
                 <a16:creationId xmlns:a16="http://schemas.microsoft.com/office/drawing/2014/main" id="{5B8D7907-8AB9-4E98-A576-1A13AECEDF3A}"/>
               </a:ext>
               <a:ext uri="{C183D7F6-B498-43B3-948B-1728B52AA6E4}">
-                <adec:decorative xmlns:adec="http://schemas.microsoft.com/office/drawing/2017/decorative" xmlns="" val="1"/>
+                <adec:decorative xmlns="" xmlns:adec="http://schemas.microsoft.com/office/drawing/2017/decorative" val="1"/>
               </a:ext>
             </a:extLst>
           </p:cNvPr>
@@ -10583,7 +10588,7 @@
                 <a16:creationId xmlns:a16="http://schemas.microsoft.com/office/drawing/2014/main" id="{817D949E-564D-4503-A64E-D22FA3232C29}"/>
               </a:ext>
               <a:ext uri="{C183D7F6-B498-43B3-948B-1728B52AA6E4}">
-                <adec:decorative xmlns:adec="http://schemas.microsoft.com/office/drawing/2017/decorative" xmlns="" val="1"/>
+                <adec:decorative xmlns="" xmlns:adec="http://schemas.microsoft.com/office/drawing/2017/decorative" val="1"/>
               </a:ext>
             </a:extLst>
           </p:cNvPr>
@@ -10684,7 +10689,7 @@
                 <a16:creationId xmlns:a16="http://schemas.microsoft.com/office/drawing/2014/main" id="{92BE0106-0C20-465B-A1BE-0BAC2737B1AD}"/>
               </a:ext>
               <a:ext uri="{C183D7F6-B498-43B3-948B-1728B52AA6E4}">
-                <adec:decorative xmlns:adec="http://schemas.microsoft.com/office/drawing/2017/decorative" xmlns="" val="1"/>
+                <adec:decorative xmlns="" xmlns:adec="http://schemas.microsoft.com/office/drawing/2017/decorative" val="1"/>
               </a:ext>
             </a:extLst>
           </p:cNvPr>
@@ -10837,7 +10842,7 @@
                 <a16:creationId xmlns:a16="http://schemas.microsoft.com/office/drawing/2014/main" id="{851808AB-2943-464C-A710-F2A18D869334}"/>
               </a:ext>
               <a:ext uri="{C183D7F6-B498-43B3-948B-1728B52AA6E4}">
-                <adec:decorative xmlns:adec="http://schemas.microsoft.com/office/drawing/2017/decorative" xmlns="" val="1"/>
+                <adec:decorative xmlns="" xmlns:adec="http://schemas.microsoft.com/office/drawing/2017/decorative" val="1"/>
               </a:ext>
             </a:extLst>
           </p:cNvPr>
@@ -10938,7 +10943,7 @@
                 <a16:creationId xmlns:a16="http://schemas.microsoft.com/office/drawing/2014/main" id="{04213918-F1EB-4BCE-BE23-F5E9851EE05C}"/>
               </a:ext>
               <a:ext uri="{C183D7F6-B498-43B3-948B-1728B52AA6E4}">
-                <adec:decorative xmlns:adec="http://schemas.microsoft.com/office/drawing/2017/decorative" xmlns="" val="1"/>
+                <adec:decorative xmlns="" xmlns:adec="http://schemas.microsoft.com/office/drawing/2017/decorative" val="1"/>
               </a:ext>
             </a:extLst>
           </p:cNvPr>
@@ -11033,7 +11038,7 @@
                 <a16:creationId xmlns:a16="http://schemas.microsoft.com/office/drawing/2014/main" id="{2062E862-C7F7-4CA1-B929-D0B75F5E9FB9}"/>
               </a:ext>
               <a:ext uri="{C183D7F6-B498-43B3-948B-1728B52AA6E4}">
-                <adec:decorative xmlns:adec="http://schemas.microsoft.com/office/drawing/2017/decorative" xmlns="" val="1"/>
+                <adec:decorative xmlns="" xmlns:adec="http://schemas.microsoft.com/office/drawing/2017/decorative" val="1"/>
               </a:ext>
             </a:extLst>
           </p:cNvPr>
